--- a/MVC/lecture.pptx
+++ b/MVC/lecture.pptx
@@ -298,7 +298,7 @@
             <a:pPr algn="r">
               <a:buNone/>
             </a:pPr>
-            <a:fld id="{656FE8E3-AC4A-4C6F-98C1-2FE2705D3D54}" type="slidenum">
+            <a:fld id="{926A1805-EBBD-4351-AA72-B2030E102EF0}" type="slidenum">
               <a:rPr b="0" lang="en-CA" sz="1400" spc="-1" strike="noStrike">
                 <a:latin typeface="Times New Roman"/>
               </a:rPr>
@@ -346,7 +346,7 @@
         <p:spPr>
           <a:xfrm>
             <a:off x="3884760" y="8685360"/>
-            <a:ext cx="2969640" cy="455040"/>
+            <a:ext cx="2969280" cy="454680"/>
           </a:xfrm>
           <a:prstGeom prst="rect">
             <a:avLst/>
@@ -379,7 +379,7 @@
               </a:lnSpc>
               <a:buNone/>
             </a:pPr>
-            <a:fld id="{D730068E-876F-43C9-B6A3-0E544E3BF8D5}" type="slidenum">
+            <a:fld id="{799BB1F0-9462-4ACB-8884-048EC2B37B1B}" type="slidenum">
               <a:rPr b="0" lang="en-US" sz="1200" spc="-1" strike="noStrike">
                 <a:latin typeface="Times New Roman"/>
                 <a:ea typeface="Lucida Sans Unicode"/>
@@ -405,7 +405,7 @@
         <p:spPr>
           <a:xfrm>
             <a:off x="1143000" y="685800"/>
-            <a:ext cx="4569840" cy="3426840"/>
+            <a:ext cx="4569480" cy="3426480"/>
           </a:xfrm>
           <a:prstGeom prst="rect">
             <a:avLst/>
@@ -428,7 +428,7 @@
         <p:spPr>
           <a:xfrm>
             <a:off x="685800" y="4343400"/>
-            <a:ext cx="5484240" cy="4112640"/>
+            <a:ext cx="5483880" cy="4112280"/>
           </a:xfrm>
           <a:prstGeom prst="rect">
             <a:avLst/>
@@ -3539,7 +3539,7 @@
         <p:spPr>
           <a:xfrm>
             <a:off x="34920" y="6099120"/>
-            <a:ext cx="2531520" cy="712080"/>
+            <a:ext cx="2531160" cy="711720"/>
           </a:xfrm>
           <a:prstGeom prst="rect">
             <a:avLst/>
@@ -3584,13 +3584,7 @@
               <a:rPr b="0" lang="en-CA" sz="4400" spc="-1" strike="noStrike">
                 <a:latin typeface="Arial"/>
               </a:rPr>
-              <a:t>Click to edit the title text </a:t>
-            </a:r>
-            <a:r>
-              <a:rPr b="0" lang="en-CA" sz="4400" spc="-1" strike="noStrike">
-                <a:latin typeface="Arial"/>
-              </a:rPr>
-              <a:t>format</a:t>
+              <a:t>Click to edit the title text format</a:t>
             </a:r>
             <a:endParaRPr b="0" lang="en-CA" sz="4400" spc="-1" strike="noStrike">
               <a:latin typeface="Arial"/>
@@ -3838,7 +3832,7 @@
         <p:spPr>
           <a:xfrm>
             <a:off x="34920" y="6099120"/>
-            <a:ext cx="2531520" cy="712080"/>
+            <a:ext cx="2531160" cy="711720"/>
           </a:xfrm>
           <a:prstGeom prst="rect">
             <a:avLst/>
@@ -4124,7 +4118,7 @@
         <p:spPr>
           <a:xfrm>
             <a:off x="685800" y="2130480"/>
-            <a:ext cx="7770240" cy="1467720"/>
+            <a:ext cx="7769880" cy="1467360"/>
           </a:xfrm>
           <a:prstGeom prst="rect">
             <a:avLst/>
@@ -4201,7 +4195,7 @@
         <p:spPr>
           <a:xfrm>
             <a:off x="457200" y="274680"/>
-            <a:ext cx="8227440" cy="1140840"/>
+            <a:ext cx="8227080" cy="1140480"/>
           </a:xfrm>
           <a:prstGeom prst="rect">
             <a:avLst/>
@@ -4251,7 +4245,7 @@
         <p:spPr>
           <a:xfrm>
             <a:off x="1261800" y="1415520"/>
-            <a:ext cx="7018200" cy="4523760"/>
+            <a:ext cx="7017840" cy="4523400"/>
           </a:xfrm>
           <a:prstGeom prst="rect">
             <a:avLst/>
@@ -4428,7 +4422,7 @@
         <p:spPr>
           <a:xfrm>
             <a:off x="457200" y="274680"/>
-            <a:ext cx="8227440" cy="1140840"/>
+            <a:ext cx="8227080" cy="1140480"/>
           </a:xfrm>
           <a:prstGeom prst="rect">
             <a:avLst/>
@@ -4478,7 +4472,7 @@
         <p:spPr>
           <a:xfrm>
             <a:off x="1261800" y="1415520"/>
-            <a:ext cx="7018200" cy="4523760"/>
+            <a:ext cx="7017840" cy="4523400"/>
           </a:xfrm>
           <a:prstGeom prst="rect">
             <a:avLst/>
@@ -4510,7 +4504,7 @@
                 <a:latin typeface="Calibri"/>
                 <a:ea typeface="ＭＳ Ｐゴシック"/>
               </a:rPr>
-              <a:t>Maintain separation of data (Model), presentation (View), and login (Controller). </a:t>
+              <a:t>Maintain separation of data (Model), presentation (View), and logic (Controller). </a:t>
             </a:r>
             <a:endParaRPr b="0" lang="en-CA" sz="2600" spc="-1" strike="noStrike">
               <a:latin typeface="Arial"/>
@@ -4627,7 +4621,7 @@
         <p:spPr>
           <a:xfrm>
             <a:off x="457200" y="274680"/>
-            <a:ext cx="8227440" cy="1140840"/>
+            <a:ext cx="8227080" cy="1140480"/>
           </a:xfrm>
           <a:prstGeom prst="rect">
             <a:avLst/>
@@ -4677,7 +4671,7 @@
         <p:spPr>
           <a:xfrm>
             <a:off x="1441080" y="1416240"/>
-            <a:ext cx="7018200" cy="4523760"/>
+            <a:ext cx="7017840" cy="4523400"/>
           </a:xfrm>
           <a:prstGeom prst="rect">
             <a:avLst/>
@@ -4864,7 +4858,7 @@
         <p:spPr>
           <a:xfrm>
             <a:off x="457200" y="274680"/>
-            <a:ext cx="8227440" cy="1140840"/>
+            <a:ext cx="8227080" cy="1140480"/>
           </a:xfrm>
           <a:prstGeom prst="rect">
             <a:avLst/>
@@ -4914,7 +4908,7 @@
         <p:spPr>
           <a:xfrm>
             <a:off x="1441080" y="1416240"/>
-            <a:ext cx="7018200" cy="4523760"/>
+            <a:ext cx="7017840" cy="4523400"/>
           </a:xfrm>
           <a:prstGeom prst="rect">
             <a:avLst/>
@@ -5063,7 +5057,7 @@
         <p:spPr>
           <a:xfrm>
             <a:off x="457200" y="274680"/>
-            <a:ext cx="8227440" cy="1140840"/>
+            <a:ext cx="8227080" cy="1140480"/>
           </a:xfrm>
           <a:prstGeom prst="rect">
             <a:avLst/>
@@ -5113,7 +5107,7 @@
         <p:spPr>
           <a:xfrm>
             <a:off x="1333080" y="1164240"/>
-            <a:ext cx="7018200" cy="4523760"/>
+            <a:ext cx="7017840" cy="4523400"/>
           </a:xfrm>
           <a:prstGeom prst="rect">
             <a:avLst/>
@@ -5221,8 +5215,36 @@
                 <a:latin typeface="Calibri"/>
                 <a:ea typeface="ＭＳ Ｐゴシック"/>
               </a:rPr>
-              <a:t>Processes HTTP get and post requests </a:t>
+              <a:t>Processes HTTP get and post requests by instantiating model objects and passing them to a view to be rendered.</a:t>
             </a:r>
+            <a:endParaRPr b="0" lang="en-CA" sz="2600" spc="-1" strike="noStrike">
+              <a:latin typeface="Arial"/>
+            </a:endParaRPr>
+          </a:p>
+          <a:p>
+            <a:pPr>
+              <a:lnSpc>
+                <a:spcPct val="100000"/>
+              </a:lnSpc>
+              <a:spcBef>
+                <a:spcPts val="641"/>
+              </a:spcBef>
+              <a:buNone/>
+            </a:pPr>
+            <a:endParaRPr b="0" lang="en-CA" sz="2600" spc="-1" strike="noStrike">
+              <a:latin typeface="Arial"/>
+            </a:endParaRPr>
+          </a:p>
+          <a:p>
+            <a:pPr>
+              <a:lnSpc>
+                <a:spcPct val="100000"/>
+              </a:lnSpc>
+              <a:spcBef>
+                <a:spcPts val="641"/>
+              </a:spcBef>
+              <a:buNone/>
+            </a:pPr>
             <a:r>
               <a:rPr b="0" lang="en-CA" sz="2600" spc="-1" strike="noStrike">
                 <a:solidFill>
@@ -5231,65 +5253,7 @@
                 <a:latin typeface="Calibri"/>
                 <a:ea typeface="ＭＳ Ｐゴシック"/>
               </a:rPr>
-              <a:t>by instantiating model objects and </a:t>
-            </a:r>
-            <a:r>
-              <a:rPr b="0" lang="en-CA" sz="2600" spc="-1" strike="noStrike">
-                <a:solidFill>
-                  <a:srgbClr val="535353"/>
-                </a:solidFill>
-                <a:latin typeface="Calibri"/>
-                <a:ea typeface="ＭＳ Ｐゴシック"/>
-              </a:rPr>
-              <a:t>passing them to a view to be rendered.</a:t>
-            </a:r>
-            <a:endParaRPr b="0" lang="en-CA" sz="2600" spc="-1" strike="noStrike">
-              <a:latin typeface="Arial"/>
-            </a:endParaRPr>
-          </a:p>
-          <a:p>
-            <a:pPr>
-              <a:lnSpc>
-                <a:spcPct val="100000"/>
-              </a:lnSpc>
-              <a:spcBef>
-                <a:spcPts val="641"/>
-              </a:spcBef>
-              <a:buNone/>
-            </a:pPr>
-            <a:endParaRPr b="0" lang="en-CA" sz="2600" spc="-1" strike="noStrike">
-              <a:latin typeface="Arial"/>
-            </a:endParaRPr>
-          </a:p>
-          <a:p>
-            <a:pPr>
-              <a:lnSpc>
-                <a:spcPct val="100000"/>
-              </a:lnSpc>
-              <a:spcBef>
-                <a:spcPts val="641"/>
-              </a:spcBef>
-              <a:buNone/>
-            </a:pPr>
-            <a:r>
-              <a:rPr b="0" lang="en-CA" sz="2600" spc="-1" strike="noStrike">
-                <a:solidFill>
-                  <a:srgbClr val="535353"/>
-                </a:solidFill>
-                <a:latin typeface="Calibri"/>
-                <a:ea typeface="ＭＳ Ｐゴシック"/>
-              </a:rPr>
-              <a:t>The runtime routes request to controller </a:t>
-            </a:r>
-            <a:r>
-              <a:rPr b="0" lang="en-CA" sz="2600" spc="-1" strike="noStrike">
-                <a:solidFill>
-                  <a:srgbClr val="535353"/>
-                </a:solidFill>
-                <a:latin typeface="Calibri"/>
-                <a:ea typeface="ＭＳ Ｐゴシック"/>
-              </a:rPr>
-              <a:t>methods.</a:t>
+              <a:t>The runtime routes request to controller methods.</a:t>
             </a:r>
             <a:endParaRPr b="0" lang="en-CA" sz="2600" spc="-1" strike="noStrike">
               <a:latin typeface="Arial"/>
